--- a/HOWLER.pptx
+++ b/HOWLER.pptx
@@ -9,8 +9,8 @@
     <p:sldId id="261" r:id="rId3"/>
     <p:sldId id="257" r:id="rId4"/>
     <p:sldId id="258" r:id="rId5"/>
-    <p:sldId id="259" r:id="rId6"/>
-    <p:sldId id="260" r:id="rId7"/>
+    <p:sldId id="260" r:id="rId6"/>
+    <p:sldId id="259" r:id="rId7"/>
   </p:sldIdLst>
   <p:sldSz cx="12192000" cy="6858000"/>
   <p:notesSz cx="6858000" cy="9144000"/>
@@ -109,6 +109,11 @@
       </a:defRPr>
     </a:lvl9pPr>
   </p:defaultTextStyle>
+  <p:extLst>
+    <p:ext uri="{EFAFB233-063F-42B5-8137-9DF3F51BA10A}">
+      <p15:sldGuideLst xmlns:p15="http://schemas.microsoft.com/office/powerpoint/2012/main"/>
+    </p:ext>
+  </p:extLst>
 </p:presentation>
 </file>
 
@@ -5802,7 +5807,7 @@
                   </a:schemeClr>
                 </a:solidFill>
               </a:rPr>
-              <a:t>Audio library for the modern web.</a:t>
+              <a:t>Audio library for the modern web</a:t>
             </a:r>
             <a:endParaRPr lang="en-US" sz="2400" dirty="0">
               <a:solidFill>
@@ -5904,8 +5909,14 @@
           <a:lstStyle/>
           <a:p>
             <a:r>
+              <a:rPr lang="en-US" dirty="0">
+                <a:hlinkClick r:id="rId2"/>
+              </a:rPr>
+              <a:t>Howler.js</a:t>
+            </a:r>
+            <a:r>
               <a:rPr lang="en-US" dirty="0"/>
-              <a:t>Created by James Simpson &amp; many contributors</a:t>
+              <a:t> Created by James Simpson &amp; many contributors</a:t>
             </a:r>
           </a:p>
           <a:p>
@@ -5921,7 +5932,7 @@
             </a:r>
             <a:r>
               <a:rPr lang="en-US" dirty="0">
-                <a:hlinkClick r:id="rId2"/>
+                <a:hlinkClick r:id="rId3"/>
               </a:rPr>
               <a:t>Link</a:t>
             </a:r>
@@ -5998,7 +6009,7 @@
         <p:spPr/>
         <p:txBody>
           <a:bodyPr>
-            <a:normAutofit fontScale="92500" lnSpcReduction="10000"/>
+            <a:normAutofit/>
           </a:bodyPr>
           <a:lstStyle/>
           <a:p>
@@ -6022,13 +6033,7 @@
           <a:p>
             <a:r>
               <a:rPr lang="en-US" dirty="0"/>
-              <a:t>Supports all codecs for full cross-browser support</a:t>
-            </a:r>
-          </a:p>
-          <a:p>
-            <a:r>
-              <a:rPr lang="en-US" dirty="0"/>
-              <a:t>Automatic caching for improved performance</a:t>
+              <a:t>Supports full cross-browser support</a:t>
             </a:r>
           </a:p>
           <a:p>
@@ -6061,7 +6066,7 @@
         <p:spPr/>
         <p:txBody>
           <a:bodyPr>
-            <a:normAutofit fontScale="92500" lnSpcReduction="10000"/>
+            <a:normAutofit/>
           </a:bodyPr>
           <a:lstStyle/>
           <a:p>
@@ -6093,20 +6098,6 @@
               <a:rPr lang="en-US" dirty="0"/>
               <a:t>No outside dependencies, just pure JavaScript</a:t>
             </a:r>
-          </a:p>
-          <a:p>
-            <a:r>
-              <a:rPr lang="en-US" dirty="0"/>
-              <a:t>As light as 7kb </a:t>
-            </a:r>
-            <a:r>
-              <a:rPr lang="en-US" dirty="0" err="1"/>
-              <a:t>gzipped</a:t>
-            </a:r>
-            <a:endParaRPr lang="en-US" dirty="0"/>
-          </a:p>
-          <a:p>
-            <a:endParaRPr lang="en-US" dirty="0"/>
           </a:p>
         </p:txBody>
       </p:sp>
@@ -6270,7 +6261,7 @@
           <a:p>
             <a:r>
               <a:rPr lang="en-US" dirty="0"/>
-              <a:t>Live Demos</a:t>
+              <a:t>Code</a:t>
             </a:r>
           </a:p>
         </p:txBody>
@@ -6294,35 +6285,47 @@
               <a:rPr lang="en-US" dirty="0">
                 <a:hlinkClick r:id="rId2"/>
               </a:rPr>
-              <a:t>Audio Player</a:t>
-            </a:r>
-            <a:endParaRPr lang="en-US" dirty="0"/>
-          </a:p>
-          <a:p>
-            <a:r>
-              <a:rPr lang="en-US" dirty="0">
-                <a:hlinkClick r:id="rId3"/>
-              </a:rPr>
-              <a:t>Radio</a:t>
-            </a:r>
-            <a:endParaRPr lang="en-US" dirty="0"/>
-          </a:p>
-          <a:p>
-            <a:r>
-              <a:rPr lang="en-US" dirty="0">
-                <a:hlinkClick r:id="rId4"/>
-              </a:rPr>
-              <a:t>Spatial Audio</a:t>
-            </a:r>
-            <a:endParaRPr lang="en-US" dirty="0"/>
-          </a:p>
-          <a:p>
-            <a:r>
-              <a:rPr lang="en-US" dirty="0">
-                <a:hlinkClick r:id="rId5"/>
-              </a:rPr>
-              <a:t>Audio Sprites</a:t>
-            </a:r>
+              <a:t>GitHub</a:t>
+            </a:r>
+            <a:endParaRPr lang="en-US" dirty="0"/>
+          </a:p>
+          <a:p>
+            <a:pPr lvl="1"/>
+            <a:r>
+              <a:rPr lang="en-US" dirty="0"/>
+              <a:t>Different functions for various actions </a:t>
+            </a:r>
+          </a:p>
+          <a:p>
+            <a:pPr lvl="2"/>
+            <a:r>
+              <a:rPr lang="en-US" dirty="0"/>
+              <a:t>play (Line 604)</a:t>
+            </a:r>
+          </a:p>
+          <a:p>
+            <a:pPr lvl="2"/>
+            <a:r>
+              <a:rPr lang="en-US" dirty="0"/>
+              <a:t>pause (Line 782)</a:t>
+            </a:r>
+          </a:p>
+          <a:p>
+            <a:pPr lvl="2"/>
+            <a:r>
+              <a:rPr lang="en-US" dirty="0"/>
+              <a:t>stop(Line 850)</a:t>
+            </a:r>
+          </a:p>
+          <a:p>
+            <a:pPr lvl="2"/>
+            <a:r>
+              <a:rPr lang="en-US" dirty="0"/>
+              <a:t>mute(Line 926)</a:t>
+            </a:r>
+          </a:p>
+          <a:p>
+            <a:pPr lvl="1"/>
             <a:endParaRPr lang="en-US" dirty="0"/>
           </a:p>
         </p:txBody>
@@ -6330,7 +6333,7 @@
     </p:spTree>
     <p:extLst>
       <p:ext uri="{BB962C8B-B14F-4D97-AF65-F5344CB8AC3E}">
-        <p14:creationId xmlns:p14="http://schemas.microsoft.com/office/powerpoint/2010/main" val="3680712549"/>
+        <p14:creationId xmlns:p14="http://schemas.microsoft.com/office/powerpoint/2010/main" val="2493227975"/>
       </p:ext>
     </p:extLst>
   </p:cSld>
@@ -6374,7 +6377,7 @@
           <a:p>
             <a:r>
               <a:rPr lang="en-US" dirty="0"/>
-              <a:t>Code</a:t>
+              <a:t>Live Demos</a:t>
             </a:r>
           </a:p>
         </p:txBody>
@@ -6398,7 +6401,34 @@
               <a:rPr lang="en-US" dirty="0">
                 <a:hlinkClick r:id="rId2"/>
               </a:rPr>
-              <a:t>GitHub</a:t>
+              <a:t>Audio Player</a:t>
+            </a:r>
+            <a:endParaRPr lang="en-US" dirty="0"/>
+          </a:p>
+          <a:p>
+            <a:r>
+              <a:rPr lang="en-US" dirty="0">
+                <a:hlinkClick r:id="rId3"/>
+              </a:rPr>
+              <a:t>Radio</a:t>
+            </a:r>
+            <a:endParaRPr lang="en-US" dirty="0"/>
+          </a:p>
+          <a:p>
+            <a:r>
+              <a:rPr lang="en-US" dirty="0">
+                <a:hlinkClick r:id="rId4"/>
+              </a:rPr>
+              <a:t>Spatial Audio</a:t>
+            </a:r>
+            <a:endParaRPr lang="en-US" dirty="0"/>
+          </a:p>
+          <a:p>
+            <a:r>
+              <a:rPr lang="en-US" dirty="0">
+                <a:hlinkClick r:id="rId5"/>
+              </a:rPr>
+              <a:t>Audio Sprites</a:t>
             </a:r>
             <a:endParaRPr lang="en-US" dirty="0"/>
           </a:p>
@@ -6407,7 +6437,7 @@
     </p:spTree>
     <p:extLst>
       <p:ext uri="{BB962C8B-B14F-4D97-AF65-F5344CB8AC3E}">
-        <p14:creationId xmlns:p14="http://schemas.microsoft.com/office/powerpoint/2010/main" val="2493227975"/>
+        <p14:creationId xmlns:p14="http://schemas.microsoft.com/office/powerpoint/2010/main" val="3680712549"/>
       </p:ext>
     </p:extLst>
   </p:cSld>
